--- a/LisT_Doku/Smartes Aquarium.pptx
+++ b/LisT_Doku/Smartes Aquarium.pptx
@@ -347,7 +347,7 @@
           <a:p>
             <a:fld id="{07EF10D0-48ED-4F01-B828-CE72CB3FAAF1}" type="datetimeFigureOut">
               <a:rPr lang="de-DE" smtClean="0"/>
-              <a:t>02.10.2017</a:t>
+              <a:t>09.10.2017</a:t>
             </a:fld>
             <a:endParaRPr lang="de-DE"/>
           </a:p>
@@ -517,7 +517,7 @@
           <a:p>
             <a:fld id="{07EF10D0-48ED-4F01-B828-CE72CB3FAAF1}" type="datetimeFigureOut">
               <a:rPr lang="de-DE" smtClean="0"/>
-              <a:t>02.10.2017</a:t>
+              <a:t>09.10.2017</a:t>
             </a:fld>
             <a:endParaRPr lang="de-DE"/>
           </a:p>
@@ -697,7 +697,7 @@
           <a:p>
             <a:fld id="{07EF10D0-48ED-4F01-B828-CE72CB3FAAF1}" type="datetimeFigureOut">
               <a:rPr lang="de-DE" smtClean="0"/>
-              <a:t>02.10.2017</a:t>
+              <a:t>09.10.2017</a:t>
             </a:fld>
             <a:endParaRPr lang="de-DE"/>
           </a:p>
@@ -867,7 +867,7 @@
           <a:p>
             <a:fld id="{07EF10D0-48ED-4F01-B828-CE72CB3FAAF1}" type="datetimeFigureOut">
               <a:rPr lang="de-DE" smtClean="0"/>
-              <a:t>02.10.2017</a:t>
+              <a:t>09.10.2017</a:t>
             </a:fld>
             <a:endParaRPr lang="de-DE"/>
           </a:p>
@@ -1125,7 +1125,7 @@
           <a:p>
             <a:fld id="{07EF10D0-48ED-4F01-B828-CE72CB3FAAF1}" type="datetimeFigureOut">
               <a:rPr lang="de-DE" smtClean="0"/>
-              <a:t>02.10.2017</a:t>
+              <a:t>09.10.2017</a:t>
             </a:fld>
             <a:endParaRPr lang="de-DE"/>
           </a:p>
@@ -1413,7 +1413,7 @@
           <a:p>
             <a:fld id="{07EF10D0-48ED-4F01-B828-CE72CB3FAAF1}" type="datetimeFigureOut">
               <a:rPr lang="de-DE" smtClean="0"/>
-              <a:t>02.10.2017</a:t>
+              <a:t>09.10.2017</a:t>
             </a:fld>
             <a:endParaRPr lang="de-DE"/>
           </a:p>
@@ -1855,7 +1855,7 @@
           <a:p>
             <a:fld id="{07EF10D0-48ED-4F01-B828-CE72CB3FAAF1}" type="datetimeFigureOut">
               <a:rPr lang="de-DE" smtClean="0"/>
-              <a:t>02.10.2017</a:t>
+              <a:t>09.10.2017</a:t>
             </a:fld>
             <a:endParaRPr lang="de-DE"/>
           </a:p>
@@ -1973,7 +1973,7 @@
           <a:p>
             <a:fld id="{07EF10D0-48ED-4F01-B828-CE72CB3FAAF1}" type="datetimeFigureOut">
               <a:rPr lang="de-DE" smtClean="0"/>
-              <a:t>02.10.2017</a:t>
+              <a:t>09.10.2017</a:t>
             </a:fld>
             <a:endParaRPr lang="de-DE"/>
           </a:p>
@@ -2068,7 +2068,7 @@
           <a:p>
             <a:fld id="{07EF10D0-48ED-4F01-B828-CE72CB3FAAF1}" type="datetimeFigureOut">
               <a:rPr lang="de-DE" smtClean="0"/>
-              <a:t>02.10.2017</a:t>
+              <a:t>09.10.2017</a:t>
             </a:fld>
             <a:endParaRPr lang="de-DE"/>
           </a:p>
@@ -2356,7 +2356,7 @@
           <a:p>
             <a:fld id="{07EF10D0-48ED-4F01-B828-CE72CB3FAAF1}" type="datetimeFigureOut">
               <a:rPr lang="de-DE" smtClean="0"/>
-              <a:t>02.10.2017</a:t>
+              <a:t>09.10.2017</a:t>
             </a:fld>
             <a:endParaRPr lang="de-DE"/>
           </a:p>
@@ -2629,7 +2629,7 @@
           <a:p>
             <a:fld id="{07EF10D0-48ED-4F01-B828-CE72CB3FAAF1}" type="datetimeFigureOut">
               <a:rPr lang="de-DE" smtClean="0"/>
-              <a:t>02.10.2017</a:t>
+              <a:t>09.10.2017</a:t>
             </a:fld>
             <a:endParaRPr lang="de-DE"/>
           </a:p>
@@ -2926,7 +2926,7 @@
           <a:p>
             <a:fld id="{07EF10D0-48ED-4F01-B828-CE72CB3FAAF1}" type="datetimeFigureOut">
               <a:rPr lang="de-DE" smtClean="0"/>
-              <a:t>02.10.2017</a:t>
+              <a:t>09.10.2017</a:t>
             </a:fld>
             <a:endParaRPr lang="de-DE"/>
           </a:p>
@@ -3535,7 +3535,7 @@
         </p:spPr>
         <p:txBody>
           <a:bodyPr anchor="ctr">
-            <a:normAutofit lnSpcReduction="10000"/>
+            <a:normAutofit fontScale="85000" lnSpcReduction="20000"/>
           </a:bodyPr>
           <a:lstStyle/>
           <a:p>
@@ -3564,6 +3564,13 @@
             <a:r>
               <a:rPr lang="de-DE" sz="2200" dirty="0"/>
               <a:t>	Lydia Pflug</a:t>
+            </a:r>
+          </a:p>
+          <a:p>
+            <a:pPr algn="l"/>
+            <a:r>
+              <a:rPr lang="de-DE" sz="2200" dirty="0"/>
+              <a:t>	Julian Seibert</a:t>
             </a:r>
           </a:p>
         </p:txBody>
